--- a/public/documents/Template-for-the-poster-AFMECA-2025.pptx
+++ b/public/documents/Template-for-the-poster-AFMECA-2025.pptx
@@ -2,12 +2,12 @@
 <file path=ppt/presentation.xml><?xml version="1.0" encoding="utf-8"?>
 <p:presentation xmlns:a="http://schemas.openxmlformats.org/drawingml/2006/main" xmlns:r="http://schemas.openxmlformats.org/officeDocument/2006/relationships" xmlns:p="http://schemas.openxmlformats.org/presentationml/2006/main" saveSubsetFonts="1">
   <p:sldMasterIdLst>
-    <p:sldMasterId id="2147483684" r:id="rId1"/>
+    <p:sldMasterId id="2147483708" r:id="rId1"/>
   </p:sldMasterIdLst>
   <p:sldIdLst>
     <p:sldId id="256" r:id="rId2"/>
   </p:sldIdLst>
-  <p:sldSz cx="12960350" cy="17279938"/>
+  <p:sldSz cx="32904113" cy="43883263"/>
   <p:notesSz cx="6858000" cy="9144000"/>
   <p:defaultTextStyle>
     <a:defPPr>
@@ -141,15 +141,15 @@
         </p:nvSpPr>
         <p:spPr>
           <a:xfrm>
-            <a:off x="972026" y="2827991"/>
-            <a:ext cx="11016298" cy="6015978"/>
+            <a:off x="2467809" y="7181824"/>
+            <a:ext cx="27968496" cy="15277877"/>
           </a:xfrm>
         </p:spPr>
         <p:txBody>
           <a:bodyPr anchor="b"/>
           <a:lstStyle>
             <a:lvl1pPr algn="ctr">
-              <a:defRPr sz="8504"/>
+              <a:defRPr sz="21590"/>
             </a:lvl1pPr>
           </a:lstStyle>
           <a:p>
@@ -173,8 +173,8 @@
         </p:nvSpPr>
         <p:spPr>
           <a:xfrm>
-            <a:off x="1620044" y="9075969"/>
-            <a:ext cx="9720263" cy="4171984"/>
+            <a:off x="4113014" y="23048874"/>
+            <a:ext cx="24678085" cy="10594961"/>
           </a:xfrm>
         </p:spPr>
         <p:txBody>
@@ -182,39 +182,39 @@
           <a:lstStyle>
             <a:lvl1pPr marL="0" indent="0" algn="ctr">
               <a:buNone/>
-              <a:defRPr sz="3402"/>
+              <a:defRPr sz="8636"/>
             </a:lvl1pPr>
-            <a:lvl2pPr marL="648035" indent="0" algn="ctr">
-              <a:buNone/>
-              <a:defRPr sz="2835"/>
+            <a:lvl2pPr marL="1645188" indent="0" algn="ctr">
+              <a:buNone/>
+              <a:defRPr sz="7197"/>
             </a:lvl2pPr>
-            <a:lvl3pPr marL="1296071" indent="0" algn="ctr">
-              <a:buNone/>
-              <a:defRPr sz="2551"/>
+            <a:lvl3pPr marL="3290377" indent="0" algn="ctr">
+              <a:buNone/>
+              <a:defRPr sz="6477"/>
             </a:lvl3pPr>
-            <a:lvl4pPr marL="1944106" indent="0" algn="ctr">
-              <a:buNone/>
-              <a:defRPr sz="2268"/>
+            <a:lvl4pPr marL="4935565" indent="0" algn="ctr">
+              <a:buNone/>
+              <a:defRPr sz="5757"/>
             </a:lvl4pPr>
-            <a:lvl5pPr marL="2592141" indent="0" algn="ctr">
-              <a:buNone/>
-              <a:defRPr sz="2268"/>
+            <a:lvl5pPr marL="6580754" indent="0" algn="ctr">
+              <a:buNone/>
+              <a:defRPr sz="5757"/>
             </a:lvl5pPr>
-            <a:lvl6pPr marL="3240176" indent="0" algn="ctr">
-              <a:buNone/>
-              <a:defRPr sz="2268"/>
+            <a:lvl6pPr marL="8225942" indent="0" algn="ctr">
+              <a:buNone/>
+              <a:defRPr sz="5757"/>
             </a:lvl6pPr>
-            <a:lvl7pPr marL="3888212" indent="0" algn="ctr">
-              <a:buNone/>
-              <a:defRPr sz="2268"/>
+            <a:lvl7pPr marL="9871131" indent="0" algn="ctr">
+              <a:buNone/>
+              <a:defRPr sz="5757"/>
             </a:lvl7pPr>
-            <a:lvl8pPr marL="4536247" indent="0" algn="ctr">
-              <a:buNone/>
-              <a:defRPr sz="2268"/>
+            <a:lvl8pPr marL="11516319" indent="0" algn="ctr">
+              <a:buNone/>
+              <a:defRPr sz="5757"/>
             </a:lvl8pPr>
-            <a:lvl9pPr marL="5184282" indent="0" algn="ctr">
-              <a:buNone/>
-              <a:defRPr sz="2268"/>
+            <a:lvl9pPr marL="13161508" indent="0" algn="ctr">
+              <a:buNone/>
+              <a:defRPr sz="5757"/>
             </a:lvl9pPr>
           </a:lstStyle>
           <a:p>
@@ -243,7 +243,7 @@
           <a:p>
             <a:fld id="{F1992685-2B4D-4B9F-8F56-7BCDC96D9AF5}" type="datetimeFigureOut">
               <a:rPr lang="en-US" smtClean="0"/>
-              <a:t>4/18/2025</a:t>
+              <a:t>5/5/2025</a:t>
             </a:fld>
             <a:endParaRPr lang="en-US"/>
           </a:p>
@@ -294,7 +294,7 @@
     </p:spTree>
     <p:extLst>
       <p:ext uri="{BB962C8B-B14F-4D97-AF65-F5344CB8AC3E}">
-        <p14:creationId xmlns:p14="http://schemas.microsoft.com/office/powerpoint/2010/main" val="2434269763"/>
+        <p14:creationId xmlns:p14="http://schemas.microsoft.com/office/powerpoint/2010/main" val="1303158428"/>
       </p:ext>
     </p:extLst>
   </p:cSld>
@@ -413,7 +413,7 @@
           <a:p>
             <a:fld id="{F1992685-2B4D-4B9F-8F56-7BCDC96D9AF5}" type="datetimeFigureOut">
               <a:rPr lang="en-US" smtClean="0"/>
-              <a:t>4/18/2025</a:t>
+              <a:t>5/5/2025</a:t>
             </a:fld>
             <a:endParaRPr lang="en-US"/>
           </a:p>
@@ -464,7 +464,7 @@
     </p:spTree>
     <p:extLst>
       <p:ext uri="{BB962C8B-B14F-4D97-AF65-F5344CB8AC3E}">
-        <p14:creationId xmlns:p14="http://schemas.microsoft.com/office/powerpoint/2010/main" val="834111800"/>
+        <p14:creationId xmlns:p14="http://schemas.microsoft.com/office/powerpoint/2010/main" val="3472765309"/>
       </p:ext>
     </p:extLst>
   </p:cSld>
@@ -503,8 +503,8 @@
         </p:nvSpPr>
         <p:spPr>
           <a:xfrm>
-            <a:off x="9274751" y="919997"/>
-            <a:ext cx="2794575" cy="14643949"/>
+            <a:off x="23547008" y="2336377"/>
+            <a:ext cx="7094949" cy="37189037"/>
           </a:xfrm>
         </p:spPr>
         <p:txBody>
@@ -531,8 +531,8 @@
         </p:nvSpPr>
         <p:spPr>
           <a:xfrm>
-            <a:off x="891025" y="919997"/>
-            <a:ext cx="8221722" cy="14643949"/>
+            <a:off x="2262159" y="2336377"/>
+            <a:ext cx="20873547" cy="37189037"/>
           </a:xfrm>
         </p:spPr>
         <p:txBody>
@@ -593,7 +593,7 @@
           <a:p>
             <a:fld id="{F1992685-2B4D-4B9F-8F56-7BCDC96D9AF5}" type="datetimeFigureOut">
               <a:rPr lang="en-US" smtClean="0"/>
-              <a:t>4/18/2025</a:t>
+              <a:t>5/5/2025</a:t>
             </a:fld>
             <a:endParaRPr lang="en-US"/>
           </a:p>
@@ -644,7 +644,7 @@
     </p:spTree>
     <p:extLst>
       <p:ext uri="{BB962C8B-B14F-4D97-AF65-F5344CB8AC3E}">
-        <p14:creationId xmlns:p14="http://schemas.microsoft.com/office/powerpoint/2010/main" val="1027191690"/>
+        <p14:creationId xmlns:p14="http://schemas.microsoft.com/office/powerpoint/2010/main" val="3714030650"/>
       </p:ext>
     </p:extLst>
   </p:cSld>
@@ -763,7 +763,7 @@
           <a:p>
             <a:fld id="{F1992685-2B4D-4B9F-8F56-7BCDC96D9AF5}" type="datetimeFigureOut">
               <a:rPr lang="en-US" smtClean="0"/>
-              <a:t>4/18/2025</a:t>
+              <a:t>5/5/2025</a:t>
             </a:fld>
             <a:endParaRPr lang="en-US"/>
           </a:p>
@@ -814,7 +814,7 @@
     </p:spTree>
     <p:extLst>
       <p:ext uri="{BB962C8B-B14F-4D97-AF65-F5344CB8AC3E}">
-        <p14:creationId xmlns:p14="http://schemas.microsoft.com/office/powerpoint/2010/main" val="3679996862"/>
+        <p14:creationId xmlns:p14="http://schemas.microsoft.com/office/powerpoint/2010/main" val="545919344"/>
       </p:ext>
     </p:extLst>
   </p:cSld>
@@ -853,15 +853,15 @@
         </p:nvSpPr>
         <p:spPr>
           <a:xfrm>
-            <a:off x="884275" y="4307990"/>
-            <a:ext cx="11178302" cy="7187973"/>
+            <a:off x="2245022" y="10940354"/>
+            <a:ext cx="28379797" cy="18254215"/>
           </a:xfrm>
         </p:spPr>
         <p:txBody>
           <a:bodyPr anchor="b"/>
           <a:lstStyle>
             <a:lvl1pPr>
-              <a:defRPr sz="8504"/>
+              <a:defRPr sz="21590"/>
             </a:lvl1pPr>
           </a:lstStyle>
           <a:p>
@@ -885,8 +885,8 @@
         </p:nvSpPr>
         <p:spPr>
           <a:xfrm>
-            <a:off x="884275" y="11563964"/>
-            <a:ext cx="11178302" cy="3779985"/>
+            <a:off x="2245022" y="29367261"/>
+            <a:ext cx="28379797" cy="9599461"/>
           </a:xfrm>
         </p:spPr>
         <p:txBody>
@@ -894,15 +894,15 @@
           <a:lstStyle>
             <a:lvl1pPr marL="0" indent="0">
               <a:buNone/>
-              <a:defRPr sz="3402">
+              <a:defRPr sz="8636">
                 <a:solidFill>
                   <a:schemeClr val="tx1"/>
                 </a:solidFill>
               </a:defRPr>
             </a:lvl1pPr>
-            <a:lvl2pPr marL="648035" indent="0">
-              <a:buNone/>
-              <a:defRPr sz="2835">
+            <a:lvl2pPr marL="1645188" indent="0">
+              <a:buNone/>
+              <a:defRPr sz="7197">
                 <a:solidFill>
                   <a:schemeClr val="tx1">
                     <a:tint val="75000"/>
@@ -910,9 +910,9 @@
                 </a:solidFill>
               </a:defRPr>
             </a:lvl2pPr>
-            <a:lvl3pPr marL="1296071" indent="0">
-              <a:buNone/>
-              <a:defRPr sz="2551">
+            <a:lvl3pPr marL="3290377" indent="0">
+              <a:buNone/>
+              <a:defRPr sz="6477">
                 <a:solidFill>
                   <a:schemeClr val="tx1">
                     <a:tint val="75000"/>
@@ -920,9 +920,9 @@
                 </a:solidFill>
               </a:defRPr>
             </a:lvl3pPr>
-            <a:lvl4pPr marL="1944106" indent="0">
-              <a:buNone/>
-              <a:defRPr sz="2268">
+            <a:lvl4pPr marL="4935565" indent="0">
+              <a:buNone/>
+              <a:defRPr sz="5757">
                 <a:solidFill>
                   <a:schemeClr val="tx1">
                     <a:tint val="75000"/>
@@ -930,9 +930,9 @@
                 </a:solidFill>
               </a:defRPr>
             </a:lvl4pPr>
-            <a:lvl5pPr marL="2592141" indent="0">
-              <a:buNone/>
-              <a:defRPr sz="2268">
+            <a:lvl5pPr marL="6580754" indent="0">
+              <a:buNone/>
+              <a:defRPr sz="5757">
                 <a:solidFill>
                   <a:schemeClr val="tx1">
                     <a:tint val="75000"/>
@@ -940,9 +940,9 @@
                 </a:solidFill>
               </a:defRPr>
             </a:lvl5pPr>
-            <a:lvl6pPr marL="3240176" indent="0">
-              <a:buNone/>
-              <a:defRPr sz="2268">
+            <a:lvl6pPr marL="8225942" indent="0">
+              <a:buNone/>
+              <a:defRPr sz="5757">
                 <a:solidFill>
                   <a:schemeClr val="tx1">
                     <a:tint val="75000"/>
@@ -950,9 +950,9 @@
                 </a:solidFill>
               </a:defRPr>
             </a:lvl6pPr>
-            <a:lvl7pPr marL="3888212" indent="0">
-              <a:buNone/>
-              <a:defRPr sz="2268">
+            <a:lvl7pPr marL="9871131" indent="0">
+              <a:buNone/>
+              <a:defRPr sz="5757">
                 <a:solidFill>
                   <a:schemeClr val="tx1">
                     <a:tint val="75000"/>
@@ -960,9 +960,9 @@
                 </a:solidFill>
               </a:defRPr>
             </a:lvl7pPr>
-            <a:lvl8pPr marL="4536247" indent="0">
-              <a:buNone/>
-              <a:defRPr sz="2268">
+            <a:lvl8pPr marL="11516319" indent="0">
+              <a:buNone/>
+              <a:defRPr sz="5757">
                 <a:solidFill>
                   <a:schemeClr val="tx1">
                     <a:tint val="75000"/>
@@ -970,9 +970,9 @@
                 </a:solidFill>
               </a:defRPr>
             </a:lvl8pPr>
-            <a:lvl9pPr marL="5184282" indent="0">
-              <a:buNone/>
-              <a:defRPr sz="2268">
+            <a:lvl9pPr marL="13161508" indent="0">
+              <a:buNone/>
+              <a:defRPr sz="5757">
                 <a:solidFill>
                   <a:schemeClr val="tx1">
                     <a:tint val="75000"/>
@@ -1007,7 +1007,7 @@
           <a:p>
             <a:fld id="{F1992685-2B4D-4B9F-8F56-7BCDC96D9AF5}" type="datetimeFigureOut">
               <a:rPr lang="en-US" smtClean="0"/>
-              <a:t>4/18/2025</a:t>
+              <a:t>5/5/2025</a:t>
             </a:fld>
             <a:endParaRPr lang="en-US"/>
           </a:p>
@@ -1058,7 +1058,7 @@
     </p:spTree>
     <p:extLst>
       <p:ext uri="{BB962C8B-B14F-4D97-AF65-F5344CB8AC3E}">
-        <p14:creationId xmlns:p14="http://schemas.microsoft.com/office/powerpoint/2010/main" val="1728320358"/>
+        <p14:creationId xmlns:p14="http://schemas.microsoft.com/office/powerpoint/2010/main" val="1144654728"/>
       </p:ext>
     </p:extLst>
   </p:cSld>
@@ -1120,8 +1120,8 @@
         </p:nvSpPr>
         <p:spPr>
           <a:xfrm>
-            <a:off x="891024" y="4599983"/>
-            <a:ext cx="5508149" cy="10963962"/>
+            <a:off x="2262158" y="11681887"/>
+            <a:ext cx="13984248" cy="27843527"/>
           </a:xfrm>
         </p:spPr>
         <p:txBody>
@@ -1177,8 +1177,8 @@
         </p:nvSpPr>
         <p:spPr>
           <a:xfrm>
-            <a:off x="6561177" y="4599983"/>
-            <a:ext cx="5508149" cy="10963962"/>
+            <a:off x="16657707" y="11681887"/>
+            <a:ext cx="13984248" cy="27843527"/>
           </a:xfrm>
         </p:spPr>
         <p:txBody>
@@ -1239,7 +1239,7 @@
           <a:p>
             <a:fld id="{F1992685-2B4D-4B9F-8F56-7BCDC96D9AF5}" type="datetimeFigureOut">
               <a:rPr lang="en-US" smtClean="0"/>
-              <a:t>4/18/2025</a:t>
+              <a:t>5/5/2025</a:t>
             </a:fld>
             <a:endParaRPr lang="en-US"/>
           </a:p>
@@ -1290,7 +1290,7 @@
     </p:spTree>
     <p:extLst>
       <p:ext uri="{BB962C8B-B14F-4D97-AF65-F5344CB8AC3E}">
-        <p14:creationId xmlns:p14="http://schemas.microsoft.com/office/powerpoint/2010/main" val="4160583080"/>
+        <p14:creationId xmlns:p14="http://schemas.microsoft.com/office/powerpoint/2010/main" val="1765023263"/>
       </p:ext>
     </p:extLst>
   </p:cSld>
@@ -1329,8 +1329,8 @@
         </p:nvSpPr>
         <p:spPr>
           <a:xfrm>
-            <a:off x="892712" y="920001"/>
-            <a:ext cx="11178302" cy="3339989"/>
+            <a:off x="2266444" y="2336387"/>
+            <a:ext cx="28379797" cy="8482069"/>
           </a:xfrm>
         </p:spPr>
         <p:txBody>
@@ -1357,8 +1357,8 @@
         </p:nvSpPr>
         <p:spPr>
           <a:xfrm>
-            <a:off x="892713" y="4235986"/>
-            <a:ext cx="5482835" cy="2075991"/>
+            <a:off x="2266447" y="10757498"/>
+            <a:ext cx="13919980" cy="5272083"/>
           </a:xfrm>
         </p:spPr>
         <p:txBody>
@@ -1366,39 +1366,39 @@
           <a:lstStyle>
             <a:lvl1pPr marL="0" indent="0">
               <a:buNone/>
-              <a:defRPr sz="3402" b="1"/>
+              <a:defRPr sz="8636" b="1"/>
             </a:lvl1pPr>
-            <a:lvl2pPr marL="648035" indent="0">
-              <a:buNone/>
-              <a:defRPr sz="2835" b="1"/>
+            <a:lvl2pPr marL="1645188" indent="0">
+              <a:buNone/>
+              <a:defRPr sz="7197" b="1"/>
             </a:lvl2pPr>
-            <a:lvl3pPr marL="1296071" indent="0">
-              <a:buNone/>
-              <a:defRPr sz="2551" b="1"/>
+            <a:lvl3pPr marL="3290377" indent="0">
+              <a:buNone/>
+              <a:defRPr sz="6477" b="1"/>
             </a:lvl3pPr>
-            <a:lvl4pPr marL="1944106" indent="0">
-              <a:buNone/>
-              <a:defRPr sz="2268" b="1"/>
+            <a:lvl4pPr marL="4935565" indent="0">
+              <a:buNone/>
+              <a:defRPr sz="5757" b="1"/>
             </a:lvl4pPr>
-            <a:lvl5pPr marL="2592141" indent="0">
-              <a:buNone/>
-              <a:defRPr sz="2268" b="1"/>
+            <a:lvl5pPr marL="6580754" indent="0">
+              <a:buNone/>
+              <a:defRPr sz="5757" b="1"/>
             </a:lvl5pPr>
-            <a:lvl6pPr marL="3240176" indent="0">
-              <a:buNone/>
-              <a:defRPr sz="2268" b="1"/>
+            <a:lvl6pPr marL="8225942" indent="0">
+              <a:buNone/>
+              <a:defRPr sz="5757" b="1"/>
             </a:lvl6pPr>
-            <a:lvl7pPr marL="3888212" indent="0">
-              <a:buNone/>
-              <a:defRPr sz="2268" b="1"/>
+            <a:lvl7pPr marL="9871131" indent="0">
+              <a:buNone/>
+              <a:defRPr sz="5757" b="1"/>
             </a:lvl7pPr>
-            <a:lvl8pPr marL="4536247" indent="0">
-              <a:buNone/>
-              <a:defRPr sz="2268" b="1"/>
+            <a:lvl8pPr marL="11516319" indent="0">
+              <a:buNone/>
+              <a:defRPr sz="5757" b="1"/>
             </a:lvl8pPr>
-            <a:lvl9pPr marL="5184282" indent="0">
-              <a:buNone/>
-              <a:defRPr sz="2268" b="1"/>
+            <a:lvl9pPr marL="13161508" indent="0">
+              <a:buNone/>
+              <a:defRPr sz="5757" b="1"/>
             </a:lvl9pPr>
           </a:lstStyle>
           <a:p>
@@ -1422,8 +1422,8 @@
         </p:nvSpPr>
         <p:spPr>
           <a:xfrm>
-            <a:off x="892713" y="6311977"/>
-            <a:ext cx="5482835" cy="9283968"/>
+            <a:off x="2266447" y="16029581"/>
+            <a:ext cx="13919980" cy="23577099"/>
           </a:xfrm>
         </p:spPr>
         <p:txBody>
@@ -1479,8 +1479,8 @@
         </p:nvSpPr>
         <p:spPr>
           <a:xfrm>
-            <a:off x="6561178" y="4235986"/>
-            <a:ext cx="5509837" cy="2075991"/>
+            <a:off x="16657709" y="10757498"/>
+            <a:ext cx="13988534" cy="5272083"/>
           </a:xfrm>
         </p:spPr>
         <p:txBody>
@@ -1488,39 +1488,39 @@
           <a:lstStyle>
             <a:lvl1pPr marL="0" indent="0">
               <a:buNone/>
-              <a:defRPr sz="3402" b="1"/>
+              <a:defRPr sz="8636" b="1"/>
             </a:lvl1pPr>
-            <a:lvl2pPr marL="648035" indent="0">
-              <a:buNone/>
-              <a:defRPr sz="2835" b="1"/>
+            <a:lvl2pPr marL="1645188" indent="0">
+              <a:buNone/>
+              <a:defRPr sz="7197" b="1"/>
             </a:lvl2pPr>
-            <a:lvl3pPr marL="1296071" indent="0">
-              <a:buNone/>
-              <a:defRPr sz="2551" b="1"/>
+            <a:lvl3pPr marL="3290377" indent="0">
+              <a:buNone/>
+              <a:defRPr sz="6477" b="1"/>
             </a:lvl3pPr>
-            <a:lvl4pPr marL="1944106" indent="0">
-              <a:buNone/>
-              <a:defRPr sz="2268" b="1"/>
+            <a:lvl4pPr marL="4935565" indent="0">
+              <a:buNone/>
+              <a:defRPr sz="5757" b="1"/>
             </a:lvl4pPr>
-            <a:lvl5pPr marL="2592141" indent="0">
-              <a:buNone/>
-              <a:defRPr sz="2268" b="1"/>
+            <a:lvl5pPr marL="6580754" indent="0">
+              <a:buNone/>
+              <a:defRPr sz="5757" b="1"/>
             </a:lvl5pPr>
-            <a:lvl6pPr marL="3240176" indent="0">
-              <a:buNone/>
-              <a:defRPr sz="2268" b="1"/>
+            <a:lvl6pPr marL="8225942" indent="0">
+              <a:buNone/>
+              <a:defRPr sz="5757" b="1"/>
             </a:lvl6pPr>
-            <a:lvl7pPr marL="3888212" indent="0">
-              <a:buNone/>
-              <a:defRPr sz="2268" b="1"/>
+            <a:lvl7pPr marL="9871131" indent="0">
+              <a:buNone/>
+              <a:defRPr sz="5757" b="1"/>
             </a:lvl7pPr>
-            <a:lvl8pPr marL="4536247" indent="0">
-              <a:buNone/>
-              <a:defRPr sz="2268" b="1"/>
+            <a:lvl8pPr marL="11516319" indent="0">
+              <a:buNone/>
+              <a:defRPr sz="5757" b="1"/>
             </a:lvl8pPr>
-            <a:lvl9pPr marL="5184282" indent="0">
-              <a:buNone/>
-              <a:defRPr sz="2268" b="1"/>
+            <a:lvl9pPr marL="13161508" indent="0">
+              <a:buNone/>
+              <a:defRPr sz="5757" b="1"/>
             </a:lvl9pPr>
           </a:lstStyle>
           <a:p>
@@ -1544,8 +1544,8 @@
         </p:nvSpPr>
         <p:spPr>
           <a:xfrm>
-            <a:off x="6561178" y="6311977"/>
-            <a:ext cx="5509837" cy="9283968"/>
+            <a:off x="16657709" y="16029581"/>
+            <a:ext cx="13988534" cy="23577099"/>
           </a:xfrm>
         </p:spPr>
         <p:txBody>
@@ -1606,7 +1606,7 @@
           <a:p>
             <a:fld id="{F1992685-2B4D-4B9F-8F56-7BCDC96D9AF5}" type="datetimeFigureOut">
               <a:rPr lang="en-US" smtClean="0"/>
-              <a:t>4/18/2025</a:t>
+              <a:t>5/5/2025</a:t>
             </a:fld>
             <a:endParaRPr lang="en-US"/>
           </a:p>
@@ -1657,7 +1657,7 @@
     </p:spTree>
     <p:extLst>
       <p:ext uri="{BB962C8B-B14F-4D97-AF65-F5344CB8AC3E}">
-        <p14:creationId xmlns:p14="http://schemas.microsoft.com/office/powerpoint/2010/main" val="1763232567"/>
+        <p14:creationId xmlns:p14="http://schemas.microsoft.com/office/powerpoint/2010/main" val="513920194"/>
       </p:ext>
     </p:extLst>
   </p:cSld>
@@ -1724,7 +1724,7 @@
           <a:p>
             <a:fld id="{F1992685-2B4D-4B9F-8F56-7BCDC96D9AF5}" type="datetimeFigureOut">
               <a:rPr lang="en-US" smtClean="0"/>
-              <a:t>4/18/2025</a:t>
+              <a:t>5/5/2025</a:t>
             </a:fld>
             <a:endParaRPr lang="en-US"/>
           </a:p>
@@ -1775,7 +1775,7 @@
     </p:spTree>
     <p:extLst>
       <p:ext uri="{BB962C8B-B14F-4D97-AF65-F5344CB8AC3E}">
-        <p14:creationId xmlns:p14="http://schemas.microsoft.com/office/powerpoint/2010/main" val="3957608838"/>
+        <p14:creationId xmlns:p14="http://schemas.microsoft.com/office/powerpoint/2010/main" val="2857812281"/>
       </p:ext>
     </p:extLst>
   </p:cSld>
@@ -1819,7 +1819,7 @@
           <a:p>
             <a:fld id="{F1992685-2B4D-4B9F-8F56-7BCDC96D9AF5}" type="datetimeFigureOut">
               <a:rPr lang="en-US" smtClean="0"/>
-              <a:t>4/18/2025</a:t>
+              <a:t>5/5/2025</a:t>
             </a:fld>
             <a:endParaRPr lang="en-US"/>
           </a:p>
@@ -1870,7 +1870,7 @@
     </p:spTree>
     <p:extLst>
       <p:ext uri="{BB962C8B-B14F-4D97-AF65-F5344CB8AC3E}">
-        <p14:creationId xmlns:p14="http://schemas.microsoft.com/office/powerpoint/2010/main" val="485298761"/>
+        <p14:creationId xmlns:p14="http://schemas.microsoft.com/office/powerpoint/2010/main" val="990410141"/>
       </p:ext>
     </p:extLst>
   </p:cSld>
@@ -1909,15 +1909,15 @@
         </p:nvSpPr>
         <p:spPr>
           <a:xfrm>
-            <a:off x="892712" y="1151996"/>
-            <a:ext cx="4180050" cy="4031986"/>
+            <a:off x="2266443" y="2925551"/>
+            <a:ext cx="10612433" cy="10239428"/>
           </a:xfrm>
         </p:spPr>
         <p:txBody>
           <a:bodyPr anchor="b"/>
           <a:lstStyle>
             <a:lvl1pPr>
-              <a:defRPr sz="4536"/>
+              <a:defRPr sz="11515"/>
             </a:lvl1pPr>
           </a:lstStyle>
           <a:p>
@@ -1941,39 +1941,39 @@
         </p:nvSpPr>
         <p:spPr>
           <a:xfrm>
-            <a:off x="5509837" y="2487995"/>
-            <a:ext cx="6561177" cy="12279956"/>
+            <a:off x="13988534" y="6318387"/>
+            <a:ext cx="16657707" cy="31185560"/>
           </a:xfrm>
         </p:spPr>
         <p:txBody>
           <a:bodyPr/>
           <a:lstStyle>
             <a:lvl1pPr>
-              <a:defRPr sz="4536"/>
+              <a:defRPr sz="11515"/>
             </a:lvl1pPr>
             <a:lvl2pPr>
-              <a:defRPr sz="3969"/>
+              <a:defRPr sz="10076"/>
             </a:lvl2pPr>
             <a:lvl3pPr>
-              <a:defRPr sz="3402"/>
+              <a:defRPr sz="8636"/>
             </a:lvl3pPr>
             <a:lvl4pPr>
-              <a:defRPr sz="2835"/>
+              <a:defRPr sz="7197"/>
             </a:lvl4pPr>
             <a:lvl5pPr>
-              <a:defRPr sz="2835"/>
+              <a:defRPr sz="7197"/>
             </a:lvl5pPr>
             <a:lvl6pPr>
-              <a:defRPr sz="2835"/>
+              <a:defRPr sz="7197"/>
             </a:lvl6pPr>
             <a:lvl7pPr>
-              <a:defRPr sz="2835"/>
+              <a:defRPr sz="7197"/>
             </a:lvl7pPr>
             <a:lvl8pPr>
-              <a:defRPr sz="2835"/>
+              <a:defRPr sz="7197"/>
             </a:lvl8pPr>
             <a:lvl9pPr>
-              <a:defRPr sz="2835"/>
+              <a:defRPr sz="7197"/>
             </a:lvl9pPr>
           </a:lstStyle>
           <a:p>
@@ -2026,8 +2026,8 @@
         </p:nvSpPr>
         <p:spPr>
           <a:xfrm>
-            <a:off x="892712" y="5183981"/>
-            <a:ext cx="4180050" cy="9603967"/>
+            <a:off x="2266443" y="13164979"/>
+            <a:ext cx="10612433" cy="24389752"/>
           </a:xfrm>
         </p:spPr>
         <p:txBody>
@@ -2035,39 +2035,39 @@
           <a:lstStyle>
             <a:lvl1pPr marL="0" indent="0">
               <a:buNone/>
-              <a:defRPr sz="2268"/>
+              <a:defRPr sz="5757"/>
             </a:lvl1pPr>
-            <a:lvl2pPr marL="648035" indent="0">
-              <a:buNone/>
-              <a:defRPr sz="1984"/>
+            <a:lvl2pPr marL="1645188" indent="0">
+              <a:buNone/>
+              <a:defRPr sz="5038"/>
             </a:lvl2pPr>
-            <a:lvl3pPr marL="1296071" indent="0">
-              <a:buNone/>
-              <a:defRPr sz="1701"/>
+            <a:lvl3pPr marL="3290377" indent="0">
+              <a:buNone/>
+              <a:defRPr sz="4318"/>
             </a:lvl3pPr>
-            <a:lvl4pPr marL="1944106" indent="0">
-              <a:buNone/>
-              <a:defRPr sz="1417"/>
+            <a:lvl4pPr marL="4935565" indent="0">
+              <a:buNone/>
+              <a:defRPr sz="3598"/>
             </a:lvl4pPr>
-            <a:lvl5pPr marL="2592141" indent="0">
-              <a:buNone/>
-              <a:defRPr sz="1417"/>
+            <a:lvl5pPr marL="6580754" indent="0">
+              <a:buNone/>
+              <a:defRPr sz="3598"/>
             </a:lvl5pPr>
-            <a:lvl6pPr marL="3240176" indent="0">
-              <a:buNone/>
-              <a:defRPr sz="1417"/>
+            <a:lvl6pPr marL="8225942" indent="0">
+              <a:buNone/>
+              <a:defRPr sz="3598"/>
             </a:lvl6pPr>
-            <a:lvl7pPr marL="3888212" indent="0">
-              <a:buNone/>
-              <a:defRPr sz="1417"/>
+            <a:lvl7pPr marL="9871131" indent="0">
+              <a:buNone/>
+              <a:defRPr sz="3598"/>
             </a:lvl7pPr>
-            <a:lvl8pPr marL="4536247" indent="0">
-              <a:buNone/>
-              <a:defRPr sz="1417"/>
+            <a:lvl8pPr marL="11516319" indent="0">
+              <a:buNone/>
+              <a:defRPr sz="3598"/>
             </a:lvl8pPr>
-            <a:lvl9pPr marL="5184282" indent="0">
-              <a:buNone/>
-              <a:defRPr sz="1417"/>
+            <a:lvl9pPr marL="13161508" indent="0">
+              <a:buNone/>
+              <a:defRPr sz="3598"/>
             </a:lvl9pPr>
           </a:lstStyle>
           <a:p>
@@ -2096,7 +2096,7 @@
           <a:p>
             <a:fld id="{F1992685-2B4D-4B9F-8F56-7BCDC96D9AF5}" type="datetimeFigureOut">
               <a:rPr lang="en-US" smtClean="0"/>
-              <a:t>4/18/2025</a:t>
+              <a:t>5/5/2025</a:t>
             </a:fld>
             <a:endParaRPr lang="en-US"/>
           </a:p>
@@ -2147,7 +2147,7 @@
     </p:spTree>
     <p:extLst>
       <p:ext uri="{BB962C8B-B14F-4D97-AF65-F5344CB8AC3E}">
-        <p14:creationId xmlns:p14="http://schemas.microsoft.com/office/powerpoint/2010/main" val="3773096020"/>
+        <p14:creationId xmlns:p14="http://schemas.microsoft.com/office/powerpoint/2010/main" val="3333639757"/>
       </p:ext>
     </p:extLst>
   </p:cSld>
@@ -2186,15 +2186,15 @@
         </p:nvSpPr>
         <p:spPr>
           <a:xfrm>
-            <a:off x="892712" y="1151996"/>
-            <a:ext cx="4180050" cy="4031986"/>
+            <a:off x="2266443" y="2925551"/>
+            <a:ext cx="10612433" cy="10239428"/>
           </a:xfrm>
         </p:spPr>
         <p:txBody>
           <a:bodyPr anchor="b"/>
           <a:lstStyle>
             <a:lvl1pPr>
-              <a:defRPr sz="4536"/>
+              <a:defRPr sz="11515"/>
             </a:lvl1pPr>
           </a:lstStyle>
           <a:p>
@@ -2218,8 +2218,8 @@
         </p:nvSpPr>
         <p:spPr>
           <a:xfrm>
-            <a:off x="5509837" y="2487995"/>
-            <a:ext cx="6561177" cy="12279956"/>
+            <a:off x="13988534" y="6318387"/>
+            <a:ext cx="16657707" cy="31185560"/>
           </a:xfrm>
         </p:spPr>
         <p:txBody>
@@ -2227,39 +2227,39 @@
           <a:lstStyle>
             <a:lvl1pPr marL="0" indent="0">
               <a:buNone/>
-              <a:defRPr sz="4536"/>
+              <a:defRPr sz="11515"/>
             </a:lvl1pPr>
-            <a:lvl2pPr marL="648035" indent="0">
-              <a:buNone/>
-              <a:defRPr sz="3969"/>
+            <a:lvl2pPr marL="1645188" indent="0">
+              <a:buNone/>
+              <a:defRPr sz="10076"/>
             </a:lvl2pPr>
-            <a:lvl3pPr marL="1296071" indent="0">
-              <a:buNone/>
-              <a:defRPr sz="3402"/>
+            <a:lvl3pPr marL="3290377" indent="0">
+              <a:buNone/>
+              <a:defRPr sz="8636"/>
             </a:lvl3pPr>
-            <a:lvl4pPr marL="1944106" indent="0">
-              <a:buNone/>
-              <a:defRPr sz="2835"/>
+            <a:lvl4pPr marL="4935565" indent="0">
+              <a:buNone/>
+              <a:defRPr sz="7197"/>
             </a:lvl4pPr>
-            <a:lvl5pPr marL="2592141" indent="0">
-              <a:buNone/>
-              <a:defRPr sz="2835"/>
+            <a:lvl5pPr marL="6580754" indent="0">
+              <a:buNone/>
+              <a:defRPr sz="7197"/>
             </a:lvl5pPr>
-            <a:lvl6pPr marL="3240176" indent="0">
-              <a:buNone/>
-              <a:defRPr sz="2835"/>
+            <a:lvl6pPr marL="8225942" indent="0">
+              <a:buNone/>
+              <a:defRPr sz="7197"/>
             </a:lvl6pPr>
-            <a:lvl7pPr marL="3888212" indent="0">
-              <a:buNone/>
-              <a:defRPr sz="2835"/>
+            <a:lvl7pPr marL="9871131" indent="0">
+              <a:buNone/>
+              <a:defRPr sz="7197"/>
             </a:lvl7pPr>
-            <a:lvl8pPr marL="4536247" indent="0">
-              <a:buNone/>
-              <a:defRPr sz="2835"/>
+            <a:lvl8pPr marL="11516319" indent="0">
+              <a:buNone/>
+              <a:defRPr sz="7197"/>
             </a:lvl8pPr>
-            <a:lvl9pPr marL="5184282" indent="0">
-              <a:buNone/>
-              <a:defRPr sz="2835"/>
+            <a:lvl9pPr marL="13161508" indent="0">
+              <a:buNone/>
+              <a:defRPr sz="7197"/>
             </a:lvl9pPr>
           </a:lstStyle>
           <a:p>
@@ -2283,8 +2283,8 @@
         </p:nvSpPr>
         <p:spPr>
           <a:xfrm>
-            <a:off x="892712" y="5183981"/>
-            <a:ext cx="4180050" cy="9603967"/>
+            <a:off x="2266443" y="13164979"/>
+            <a:ext cx="10612433" cy="24389752"/>
           </a:xfrm>
         </p:spPr>
         <p:txBody>
@@ -2292,39 +2292,39 @@
           <a:lstStyle>
             <a:lvl1pPr marL="0" indent="0">
               <a:buNone/>
-              <a:defRPr sz="2268"/>
+              <a:defRPr sz="5757"/>
             </a:lvl1pPr>
-            <a:lvl2pPr marL="648035" indent="0">
-              <a:buNone/>
-              <a:defRPr sz="1984"/>
+            <a:lvl2pPr marL="1645188" indent="0">
+              <a:buNone/>
+              <a:defRPr sz="5038"/>
             </a:lvl2pPr>
-            <a:lvl3pPr marL="1296071" indent="0">
-              <a:buNone/>
-              <a:defRPr sz="1701"/>
+            <a:lvl3pPr marL="3290377" indent="0">
+              <a:buNone/>
+              <a:defRPr sz="4318"/>
             </a:lvl3pPr>
-            <a:lvl4pPr marL="1944106" indent="0">
-              <a:buNone/>
-              <a:defRPr sz="1417"/>
+            <a:lvl4pPr marL="4935565" indent="0">
+              <a:buNone/>
+              <a:defRPr sz="3598"/>
             </a:lvl4pPr>
-            <a:lvl5pPr marL="2592141" indent="0">
-              <a:buNone/>
-              <a:defRPr sz="1417"/>
+            <a:lvl5pPr marL="6580754" indent="0">
+              <a:buNone/>
+              <a:defRPr sz="3598"/>
             </a:lvl5pPr>
-            <a:lvl6pPr marL="3240176" indent="0">
-              <a:buNone/>
-              <a:defRPr sz="1417"/>
+            <a:lvl6pPr marL="8225942" indent="0">
+              <a:buNone/>
+              <a:defRPr sz="3598"/>
             </a:lvl6pPr>
-            <a:lvl7pPr marL="3888212" indent="0">
-              <a:buNone/>
-              <a:defRPr sz="1417"/>
+            <a:lvl7pPr marL="9871131" indent="0">
+              <a:buNone/>
+              <a:defRPr sz="3598"/>
             </a:lvl7pPr>
-            <a:lvl8pPr marL="4536247" indent="0">
-              <a:buNone/>
-              <a:defRPr sz="1417"/>
+            <a:lvl8pPr marL="11516319" indent="0">
+              <a:buNone/>
+              <a:defRPr sz="3598"/>
             </a:lvl8pPr>
-            <a:lvl9pPr marL="5184282" indent="0">
-              <a:buNone/>
-              <a:defRPr sz="1417"/>
+            <a:lvl9pPr marL="13161508" indent="0">
+              <a:buNone/>
+              <a:defRPr sz="3598"/>
             </a:lvl9pPr>
           </a:lstStyle>
           <a:p>
@@ -2353,7 +2353,7 @@
           <a:p>
             <a:fld id="{F1992685-2B4D-4B9F-8F56-7BCDC96D9AF5}" type="datetimeFigureOut">
               <a:rPr lang="en-US" smtClean="0"/>
-              <a:t>4/18/2025</a:t>
+              <a:t>5/5/2025</a:t>
             </a:fld>
             <a:endParaRPr lang="en-US"/>
           </a:p>
@@ -2404,7 +2404,7 @@
     </p:spTree>
     <p:extLst>
       <p:ext uri="{BB962C8B-B14F-4D97-AF65-F5344CB8AC3E}">
-        <p14:creationId xmlns:p14="http://schemas.microsoft.com/office/powerpoint/2010/main" val="2653897460"/>
+        <p14:creationId xmlns:p14="http://schemas.microsoft.com/office/powerpoint/2010/main" val="3701163052"/>
       </p:ext>
     </p:extLst>
   </p:cSld>
@@ -2448,8 +2448,8 @@
         </p:nvSpPr>
         <p:spPr>
           <a:xfrm>
-            <a:off x="891024" y="920001"/>
-            <a:ext cx="11178302" cy="3339989"/>
+            <a:off x="2262158" y="2336387"/>
+            <a:ext cx="28379797" cy="8482069"/>
           </a:xfrm>
           <a:prstGeom prst="rect">
             <a:avLst/>
@@ -2481,8 +2481,8 @@
         </p:nvSpPr>
         <p:spPr>
           <a:xfrm>
-            <a:off x="891024" y="4599983"/>
-            <a:ext cx="11178302" cy="10963962"/>
+            <a:off x="2262158" y="11681887"/>
+            <a:ext cx="28379797" cy="27843527"/>
           </a:xfrm>
           <a:prstGeom prst="rect">
             <a:avLst/>
@@ -2543,8 +2543,8 @@
         </p:nvSpPr>
         <p:spPr>
           <a:xfrm>
-            <a:off x="891024" y="16015946"/>
-            <a:ext cx="2916079" cy="919997"/>
+            <a:off x="2262158" y="40673293"/>
+            <a:ext cx="7403425" cy="2336377"/>
           </a:xfrm>
           <a:prstGeom prst="rect">
             <a:avLst/>
@@ -2554,7 +2554,7 @@
           <a:bodyPr vert="horz" lIns="91440" tIns="45720" rIns="91440" bIns="45720" rtlCol="0" anchor="ctr"/>
           <a:lstStyle>
             <a:lvl1pPr algn="l">
-              <a:defRPr sz="1701">
+              <a:defRPr sz="4318">
                 <a:solidFill>
                   <a:schemeClr val="tx1">
                     <a:tint val="75000"/>
@@ -2566,7 +2566,7 @@
           <a:p>
             <a:fld id="{F1992685-2B4D-4B9F-8F56-7BCDC96D9AF5}" type="datetimeFigureOut">
               <a:rPr lang="en-US" smtClean="0"/>
-              <a:t>4/18/2025</a:t>
+              <a:t>5/5/2025</a:t>
             </a:fld>
             <a:endParaRPr lang="en-US"/>
           </a:p>
@@ -2584,8 +2584,8 @@
         </p:nvSpPr>
         <p:spPr>
           <a:xfrm>
-            <a:off x="4293116" y="16015946"/>
-            <a:ext cx="4374118" cy="919997"/>
+            <a:off x="10899488" y="40673293"/>
+            <a:ext cx="11105138" cy="2336377"/>
           </a:xfrm>
           <a:prstGeom prst="rect">
             <a:avLst/>
@@ -2595,7 +2595,7 @@
           <a:bodyPr vert="horz" lIns="91440" tIns="45720" rIns="91440" bIns="45720" rtlCol="0" anchor="ctr"/>
           <a:lstStyle>
             <a:lvl1pPr algn="ctr">
-              <a:defRPr sz="1701">
+              <a:defRPr sz="4318">
                 <a:solidFill>
                   <a:schemeClr val="tx1">
                     <a:tint val="75000"/>
@@ -2621,8 +2621,8 @@
         </p:nvSpPr>
         <p:spPr>
           <a:xfrm>
-            <a:off x="9153247" y="16015946"/>
-            <a:ext cx="2916079" cy="919997"/>
+            <a:off x="23238530" y="40673293"/>
+            <a:ext cx="7403425" cy="2336377"/>
           </a:xfrm>
           <a:prstGeom prst="rect">
             <a:avLst/>
@@ -2632,7 +2632,7 @@
           <a:bodyPr vert="horz" lIns="91440" tIns="45720" rIns="91440" bIns="45720" rtlCol="0" anchor="ctr"/>
           <a:lstStyle>
             <a:lvl1pPr algn="r">
-              <a:defRPr sz="1701">
+              <a:defRPr sz="4318">
                 <a:solidFill>
                   <a:schemeClr val="tx1">
                     <a:tint val="75000"/>
@@ -2653,27 +2653,27 @@
     </p:spTree>
     <p:extLst>
       <p:ext uri="{BB962C8B-B14F-4D97-AF65-F5344CB8AC3E}">
-        <p14:creationId xmlns:p14="http://schemas.microsoft.com/office/powerpoint/2010/main" val="2348112305"/>
+        <p14:creationId xmlns:p14="http://schemas.microsoft.com/office/powerpoint/2010/main" val="2531448462"/>
       </p:ext>
     </p:extLst>
   </p:cSld>
   <p:clrMap bg1="lt1" tx1="dk1" bg2="lt2" tx2="dk2" accent1="accent1" accent2="accent2" accent3="accent3" accent4="accent4" accent5="accent5" accent6="accent6" hlink="hlink" folHlink="folHlink"/>
   <p:sldLayoutIdLst>
-    <p:sldLayoutId id="2147483685" r:id="rId1"/>
-    <p:sldLayoutId id="2147483686" r:id="rId2"/>
-    <p:sldLayoutId id="2147483687" r:id="rId3"/>
-    <p:sldLayoutId id="2147483688" r:id="rId4"/>
-    <p:sldLayoutId id="2147483689" r:id="rId5"/>
-    <p:sldLayoutId id="2147483690" r:id="rId6"/>
-    <p:sldLayoutId id="2147483691" r:id="rId7"/>
-    <p:sldLayoutId id="2147483692" r:id="rId8"/>
-    <p:sldLayoutId id="2147483693" r:id="rId9"/>
-    <p:sldLayoutId id="2147483694" r:id="rId10"/>
-    <p:sldLayoutId id="2147483695" r:id="rId11"/>
+    <p:sldLayoutId id="2147483709" r:id="rId1"/>
+    <p:sldLayoutId id="2147483710" r:id="rId2"/>
+    <p:sldLayoutId id="2147483711" r:id="rId3"/>
+    <p:sldLayoutId id="2147483712" r:id="rId4"/>
+    <p:sldLayoutId id="2147483713" r:id="rId5"/>
+    <p:sldLayoutId id="2147483714" r:id="rId6"/>
+    <p:sldLayoutId id="2147483715" r:id="rId7"/>
+    <p:sldLayoutId id="2147483716" r:id="rId8"/>
+    <p:sldLayoutId id="2147483717" r:id="rId9"/>
+    <p:sldLayoutId id="2147483718" r:id="rId10"/>
+    <p:sldLayoutId id="2147483719" r:id="rId11"/>
   </p:sldLayoutIdLst>
   <p:txStyles>
     <p:titleStyle>
-      <a:lvl1pPr algn="l" defTabSz="1296071" rtl="0" eaLnBrk="1" latinLnBrk="0" hangingPunct="1">
+      <a:lvl1pPr algn="l" defTabSz="3290377" rtl="0" eaLnBrk="1" latinLnBrk="0" hangingPunct="1">
         <a:lnSpc>
           <a:spcPct val="90000"/>
         </a:lnSpc>
@@ -2681,7 +2681,7 @@
           <a:spcPct val="0"/>
         </a:spcBef>
         <a:buNone/>
-        <a:defRPr sz="6237" kern="1200">
+        <a:defRPr sz="15833" kern="1200">
           <a:solidFill>
             <a:schemeClr val="tx1"/>
           </a:solidFill>
@@ -2692,16 +2692,16 @@
       </a:lvl1pPr>
     </p:titleStyle>
     <p:bodyStyle>
-      <a:lvl1pPr marL="324018" indent="-324018" algn="l" defTabSz="1296071" rtl="0" eaLnBrk="1" latinLnBrk="0" hangingPunct="1">
+      <a:lvl1pPr marL="822594" indent="-822594" algn="l" defTabSz="3290377" rtl="0" eaLnBrk="1" latinLnBrk="0" hangingPunct="1">
         <a:lnSpc>
           <a:spcPct val="90000"/>
         </a:lnSpc>
         <a:spcBef>
-          <a:spcPts val="1417"/>
+          <a:spcPts val="3598"/>
         </a:spcBef>
         <a:buFont typeface="Arial" panose="020B0604020202020204" pitchFamily="34" charset="0"/>
         <a:buChar char="•"/>
-        <a:defRPr sz="3969" kern="1200">
+        <a:defRPr sz="10076" kern="1200">
           <a:solidFill>
             <a:schemeClr val="tx1"/>
           </a:solidFill>
@@ -2710,16 +2710,16 @@
           <a:cs typeface="+mn-cs"/>
         </a:defRPr>
       </a:lvl1pPr>
-      <a:lvl2pPr marL="972053" indent="-324018" algn="l" defTabSz="1296071" rtl="0" eaLnBrk="1" latinLnBrk="0" hangingPunct="1">
+      <a:lvl2pPr marL="2467783" indent="-822594" algn="l" defTabSz="3290377" rtl="0" eaLnBrk="1" latinLnBrk="0" hangingPunct="1">
         <a:lnSpc>
           <a:spcPct val="90000"/>
         </a:lnSpc>
         <a:spcBef>
-          <a:spcPts val="709"/>
+          <a:spcPts val="1799"/>
         </a:spcBef>
         <a:buFont typeface="Arial" panose="020B0604020202020204" pitchFamily="34" charset="0"/>
         <a:buChar char="•"/>
-        <a:defRPr sz="3402" kern="1200">
+        <a:defRPr sz="8636" kern="1200">
           <a:solidFill>
             <a:schemeClr val="tx1"/>
           </a:solidFill>
@@ -2728,16 +2728,16 @@
           <a:cs typeface="+mn-cs"/>
         </a:defRPr>
       </a:lvl2pPr>
-      <a:lvl3pPr marL="1620088" indent="-324018" algn="l" defTabSz="1296071" rtl="0" eaLnBrk="1" latinLnBrk="0" hangingPunct="1">
+      <a:lvl3pPr marL="4112971" indent="-822594" algn="l" defTabSz="3290377" rtl="0" eaLnBrk="1" latinLnBrk="0" hangingPunct="1">
         <a:lnSpc>
           <a:spcPct val="90000"/>
         </a:lnSpc>
         <a:spcBef>
-          <a:spcPts val="709"/>
+          <a:spcPts val="1799"/>
         </a:spcBef>
         <a:buFont typeface="Arial" panose="020B0604020202020204" pitchFamily="34" charset="0"/>
         <a:buChar char="•"/>
-        <a:defRPr sz="2835" kern="1200">
+        <a:defRPr sz="7197" kern="1200">
           <a:solidFill>
             <a:schemeClr val="tx1"/>
           </a:solidFill>
@@ -2746,16 +2746,16 @@
           <a:cs typeface="+mn-cs"/>
         </a:defRPr>
       </a:lvl3pPr>
-      <a:lvl4pPr marL="2268123" indent="-324018" algn="l" defTabSz="1296071" rtl="0" eaLnBrk="1" latinLnBrk="0" hangingPunct="1">
+      <a:lvl4pPr marL="5758160" indent="-822594" algn="l" defTabSz="3290377" rtl="0" eaLnBrk="1" latinLnBrk="0" hangingPunct="1">
         <a:lnSpc>
           <a:spcPct val="90000"/>
         </a:lnSpc>
         <a:spcBef>
-          <a:spcPts val="709"/>
+          <a:spcPts val="1799"/>
         </a:spcBef>
         <a:buFont typeface="Arial" panose="020B0604020202020204" pitchFamily="34" charset="0"/>
         <a:buChar char="•"/>
-        <a:defRPr sz="2551" kern="1200">
+        <a:defRPr sz="6477" kern="1200">
           <a:solidFill>
             <a:schemeClr val="tx1"/>
           </a:solidFill>
@@ -2764,16 +2764,16 @@
           <a:cs typeface="+mn-cs"/>
         </a:defRPr>
       </a:lvl4pPr>
-      <a:lvl5pPr marL="2916159" indent="-324018" algn="l" defTabSz="1296071" rtl="0" eaLnBrk="1" latinLnBrk="0" hangingPunct="1">
+      <a:lvl5pPr marL="7403348" indent="-822594" algn="l" defTabSz="3290377" rtl="0" eaLnBrk="1" latinLnBrk="0" hangingPunct="1">
         <a:lnSpc>
           <a:spcPct val="90000"/>
         </a:lnSpc>
         <a:spcBef>
-          <a:spcPts val="709"/>
+          <a:spcPts val="1799"/>
         </a:spcBef>
         <a:buFont typeface="Arial" panose="020B0604020202020204" pitchFamily="34" charset="0"/>
         <a:buChar char="•"/>
-        <a:defRPr sz="2551" kern="1200">
+        <a:defRPr sz="6477" kern="1200">
           <a:solidFill>
             <a:schemeClr val="tx1"/>
           </a:solidFill>
@@ -2782,16 +2782,16 @@
           <a:cs typeface="+mn-cs"/>
         </a:defRPr>
       </a:lvl5pPr>
-      <a:lvl6pPr marL="3564194" indent="-324018" algn="l" defTabSz="1296071" rtl="0" eaLnBrk="1" latinLnBrk="0" hangingPunct="1">
+      <a:lvl6pPr marL="9048537" indent="-822594" algn="l" defTabSz="3290377" rtl="0" eaLnBrk="1" latinLnBrk="0" hangingPunct="1">
         <a:lnSpc>
           <a:spcPct val="90000"/>
         </a:lnSpc>
         <a:spcBef>
-          <a:spcPts val="709"/>
+          <a:spcPts val="1799"/>
         </a:spcBef>
         <a:buFont typeface="Arial" panose="020B0604020202020204" pitchFamily="34" charset="0"/>
         <a:buChar char="•"/>
-        <a:defRPr sz="2551" kern="1200">
+        <a:defRPr sz="6477" kern="1200">
           <a:solidFill>
             <a:schemeClr val="tx1"/>
           </a:solidFill>
@@ -2800,16 +2800,16 @@
           <a:cs typeface="+mn-cs"/>
         </a:defRPr>
       </a:lvl6pPr>
-      <a:lvl7pPr marL="4212229" indent="-324018" algn="l" defTabSz="1296071" rtl="0" eaLnBrk="1" latinLnBrk="0" hangingPunct="1">
+      <a:lvl7pPr marL="10693725" indent="-822594" algn="l" defTabSz="3290377" rtl="0" eaLnBrk="1" latinLnBrk="0" hangingPunct="1">
         <a:lnSpc>
           <a:spcPct val="90000"/>
         </a:lnSpc>
         <a:spcBef>
-          <a:spcPts val="709"/>
+          <a:spcPts val="1799"/>
         </a:spcBef>
         <a:buFont typeface="Arial" panose="020B0604020202020204" pitchFamily="34" charset="0"/>
         <a:buChar char="•"/>
-        <a:defRPr sz="2551" kern="1200">
+        <a:defRPr sz="6477" kern="1200">
           <a:solidFill>
             <a:schemeClr val="tx1"/>
           </a:solidFill>
@@ -2818,16 +2818,16 @@
           <a:cs typeface="+mn-cs"/>
         </a:defRPr>
       </a:lvl7pPr>
-      <a:lvl8pPr marL="4860265" indent="-324018" algn="l" defTabSz="1296071" rtl="0" eaLnBrk="1" latinLnBrk="0" hangingPunct="1">
+      <a:lvl8pPr marL="12338914" indent="-822594" algn="l" defTabSz="3290377" rtl="0" eaLnBrk="1" latinLnBrk="0" hangingPunct="1">
         <a:lnSpc>
           <a:spcPct val="90000"/>
         </a:lnSpc>
         <a:spcBef>
-          <a:spcPts val="709"/>
+          <a:spcPts val="1799"/>
         </a:spcBef>
         <a:buFont typeface="Arial" panose="020B0604020202020204" pitchFamily="34" charset="0"/>
         <a:buChar char="•"/>
-        <a:defRPr sz="2551" kern="1200">
+        <a:defRPr sz="6477" kern="1200">
           <a:solidFill>
             <a:schemeClr val="tx1"/>
           </a:solidFill>
@@ -2836,16 +2836,16 @@
           <a:cs typeface="+mn-cs"/>
         </a:defRPr>
       </a:lvl8pPr>
-      <a:lvl9pPr marL="5508300" indent="-324018" algn="l" defTabSz="1296071" rtl="0" eaLnBrk="1" latinLnBrk="0" hangingPunct="1">
+      <a:lvl9pPr marL="13984102" indent="-822594" algn="l" defTabSz="3290377" rtl="0" eaLnBrk="1" latinLnBrk="0" hangingPunct="1">
         <a:lnSpc>
           <a:spcPct val="90000"/>
         </a:lnSpc>
         <a:spcBef>
-          <a:spcPts val="709"/>
+          <a:spcPts val="1799"/>
         </a:spcBef>
         <a:buFont typeface="Arial" panose="020B0604020202020204" pitchFamily="34" charset="0"/>
         <a:buChar char="•"/>
-        <a:defRPr sz="2551" kern="1200">
+        <a:defRPr sz="6477" kern="1200">
           <a:solidFill>
             <a:schemeClr val="tx1"/>
           </a:solidFill>
@@ -2859,8 +2859,8 @@
       <a:defPPr>
         <a:defRPr lang="en-US"/>
       </a:defPPr>
-      <a:lvl1pPr marL="0" algn="l" defTabSz="1296071" rtl="0" eaLnBrk="1" latinLnBrk="0" hangingPunct="1">
-        <a:defRPr sz="2551" kern="1200">
+      <a:lvl1pPr marL="0" algn="l" defTabSz="3290377" rtl="0" eaLnBrk="1" latinLnBrk="0" hangingPunct="1">
+        <a:defRPr sz="6477" kern="1200">
           <a:solidFill>
             <a:schemeClr val="tx1"/>
           </a:solidFill>
@@ -2869,8 +2869,8 @@
           <a:cs typeface="+mn-cs"/>
         </a:defRPr>
       </a:lvl1pPr>
-      <a:lvl2pPr marL="648035" algn="l" defTabSz="1296071" rtl="0" eaLnBrk="1" latinLnBrk="0" hangingPunct="1">
-        <a:defRPr sz="2551" kern="1200">
+      <a:lvl2pPr marL="1645188" algn="l" defTabSz="3290377" rtl="0" eaLnBrk="1" latinLnBrk="0" hangingPunct="1">
+        <a:defRPr sz="6477" kern="1200">
           <a:solidFill>
             <a:schemeClr val="tx1"/>
           </a:solidFill>
@@ -2879,8 +2879,8 @@
           <a:cs typeface="+mn-cs"/>
         </a:defRPr>
       </a:lvl2pPr>
-      <a:lvl3pPr marL="1296071" algn="l" defTabSz="1296071" rtl="0" eaLnBrk="1" latinLnBrk="0" hangingPunct="1">
-        <a:defRPr sz="2551" kern="1200">
+      <a:lvl3pPr marL="3290377" algn="l" defTabSz="3290377" rtl="0" eaLnBrk="1" latinLnBrk="0" hangingPunct="1">
+        <a:defRPr sz="6477" kern="1200">
           <a:solidFill>
             <a:schemeClr val="tx1"/>
           </a:solidFill>
@@ -2889,8 +2889,8 @@
           <a:cs typeface="+mn-cs"/>
         </a:defRPr>
       </a:lvl3pPr>
-      <a:lvl4pPr marL="1944106" algn="l" defTabSz="1296071" rtl="0" eaLnBrk="1" latinLnBrk="0" hangingPunct="1">
-        <a:defRPr sz="2551" kern="1200">
+      <a:lvl4pPr marL="4935565" algn="l" defTabSz="3290377" rtl="0" eaLnBrk="1" latinLnBrk="0" hangingPunct="1">
+        <a:defRPr sz="6477" kern="1200">
           <a:solidFill>
             <a:schemeClr val="tx1"/>
           </a:solidFill>
@@ -2899,8 +2899,8 @@
           <a:cs typeface="+mn-cs"/>
         </a:defRPr>
       </a:lvl4pPr>
-      <a:lvl5pPr marL="2592141" algn="l" defTabSz="1296071" rtl="0" eaLnBrk="1" latinLnBrk="0" hangingPunct="1">
-        <a:defRPr sz="2551" kern="1200">
+      <a:lvl5pPr marL="6580754" algn="l" defTabSz="3290377" rtl="0" eaLnBrk="1" latinLnBrk="0" hangingPunct="1">
+        <a:defRPr sz="6477" kern="1200">
           <a:solidFill>
             <a:schemeClr val="tx1"/>
           </a:solidFill>
@@ -2909,8 +2909,8 @@
           <a:cs typeface="+mn-cs"/>
         </a:defRPr>
       </a:lvl5pPr>
-      <a:lvl6pPr marL="3240176" algn="l" defTabSz="1296071" rtl="0" eaLnBrk="1" latinLnBrk="0" hangingPunct="1">
-        <a:defRPr sz="2551" kern="1200">
+      <a:lvl6pPr marL="8225942" algn="l" defTabSz="3290377" rtl="0" eaLnBrk="1" latinLnBrk="0" hangingPunct="1">
+        <a:defRPr sz="6477" kern="1200">
           <a:solidFill>
             <a:schemeClr val="tx1"/>
           </a:solidFill>
@@ -2919,8 +2919,8 @@
           <a:cs typeface="+mn-cs"/>
         </a:defRPr>
       </a:lvl6pPr>
-      <a:lvl7pPr marL="3888212" algn="l" defTabSz="1296071" rtl="0" eaLnBrk="1" latinLnBrk="0" hangingPunct="1">
-        <a:defRPr sz="2551" kern="1200">
+      <a:lvl7pPr marL="9871131" algn="l" defTabSz="3290377" rtl="0" eaLnBrk="1" latinLnBrk="0" hangingPunct="1">
+        <a:defRPr sz="6477" kern="1200">
           <a:solidFill>
             <a:schemeClr val="tx1"/>
           </a:solidFill>
@@ -2929,8 +2929,8 @@
           <a:cs typeface="+mn-cs"/>
         </a:defRPr>
       </a:lvl7pPr>
-      <a:lvl8pPr marL="4536247" algn="l" defTabSz="1296071" rtl="0" eaLnBrk="1" latinLnBrk="0" hangingPunct="1">
-        <a:defRPr sz="2551" kern="1200">
+      <a:lvl8pPr marL="11516319" algn="l" defTabSz="3290377" rtl="0" eaLnBrk="1" latinLnBrk="0" hangingPunct="1">
+        <a:defRPr sz="6477" kern="1200">
           <a:solidFill>
             <a:schemeClr val="tx1"/>
           </a:solidFill>
@@ -2939,8 +2939,8 @@
           <a:cs typeface="+mn-cs"/>
         </a:defRPr>
       </a:lvl8pPr>
-      <a:lvl9pPr marL="5184282" algn="l" defTabSz="1296071" rtl="0" eaLnBrk="1" latinLnBrk="0" hangingPunct="1">
-        <a:defRPr sz="2551" kern="1200">
+      <a:lvl9pPr marL="13161508" algn="l" defTabSz="3290377" rtl="0" eaLnBrk="1" latinLnBrk="0" hangingPunct="1">
+        <a:defRPr sz="6477" kern="1200">
           <a:solidFill>
             <a:schemeClr val="tx1"/>
           </a:solidFill>
@@ -2985,8 +2985,8 @@
         </p:nvSpPr>
         <p:spPr>
           <a:xfrm>
-            <a:off x="340821" y="185196"/>
-            <a:ext cx="12209315" cy="2016984"/>
+            <a:off x="1071363" y="529452"/>
+            <a:ext cx="30843180" cy="5378978"/>
           </a:xfrm>
           <a:prstGeom prst="rect">
             <a:avLst/>
@@ -3004,7 +3004,7 @@
           </a:bodyPr>
           <a:lstStyle/>
           <a:p>
-            <a:endParaRPr lang="en-US" dirty="0"/>
+            <a:endParaRPr lang="en-US" sz="11387" dirty="0"/>
           </a:p>
         </p:txBody>
       </p:sp>
@@ -3022,8 +3022,8 @@
         </p:nvSpPr>
         <p:spPr>
           <a:xfrm>
-            <a:off x="250939" y="283686"/>
-            <a:ext cx="12458471" cy="1938992"/>
+            <a:off x="1500553" y="606248"/>
+            <a:ext cx="30527177" cy="4729693"/>
           </a:xfrm>
           <a:prstGeom prst="rect">
             <a:avLst/>
@@ -3038,8 +3038,7 @@
           <a:p>
             <a:pPr algn="ctr"/>
             <a:r>
-              <a:rPr lang="en-US" sz="2400" b="1" kern="100" dirty="0">
-                <a:effectLst/>
+              <a:rPr lang="en-US" sz="6000" b="1" kern="100" dirty="0">
                 <a:latin typeface="Times New Roman" panose="02020603050405020304" pitchFamily="18" charset="0"/>
                 <a:ea typeface="Aptos" panose="020B0004020202020204" pitchFamily="34" charset="0"/>
                 <a:cs typeface="Times New Roman" panose="02020603050405020304" pitchFamily="18" charset="0"/>
@@ -3047,8 +3046,7 @@
               <a:t>Title in Times New Roman, </a:t>
             </a:r>
             <a:r>
-              <a:rPr lang="en-US" sz="2400" b="1" kern="100" dirty="0" err="1">
-                <a:effectLst/>
+              <a:rPr lang="en-US" sz="6000" b="1" kern="100" dirty="0" err="1">
                 <a:latin typeface="Times New Roman" panose="02020603050405020304" pitchFamily="18" charset="0"/>
                 <a:ea typeface="Aptos" panose="020B0004020202020204" pitchFamily="34" charset="0"/>
                 <a:cs typeface="Times New Roman" panose="02020603050405020304" pitchFamily="18" charset="0"/>
@@ -3056,8 +3054,7 @@
               <a:t>Centred</a:t>
             </a:r>
             <a:r>
-              <a:rPr lang="en-US" sz="2400" b="1" kern="100" dirty="0">
-                <a:effectLst/>
+              <a:rPr lang="en-US" sz="6000" b="1" kern="100" dirty="0">
                 <a:latin typeface="Times New Roman" panose="02020603050405020304" pitchFamily="18" charset="0"/>
                 <a:ea typeface="Aptos" panose="020B0004020202020204" pitchFamily="34" charset="0"/>
                 <a:cs typeface="Times New Roman" panose="02020603050405020304" pitchFamily="18" charset="0"/>
@@ -3068,20 +3065,18 @@
           <a:p>
             <a:pPr algn="ctr"/>
             <a:r>
-              <a:rPr lang="en-US" sz="2400" b="1" kern="100" dirty="0">
-                <a:effectLst/>
+              <a:rPr lang="en-US" sz="6000" b="1" kern="100" dirty="0">
                 <a:latin typeface="Times New Roman" panose="02020603050405020304" pitchFamily="18" charset="0"/>
                 <a:ea typeface="Aptos" panose="020B0004020202020204" pitchFamily="34" charset="0"/>
                 <a:cs typeface="Times New Roman" panose="02020603050405020304" pitchFamily="18" charset="0"/>
               </a:rPr>
-              <a:t>Font Size 24 Units, Bold</a:t>
+              <a:t>Font Size 60 Units, Bold</a:t>
             </a:r>
           </a:p>
           <a:p>
             <a:pPr algn="ctr"/>
             <a:r>
-              <a:rPr lang="en-US" b="1" u="sng" kern="100" dirty="0">
-                <a:effectLst/>
+              <a:rPr lang="en-US" sz="4800" b="1" u="sng" kern="100" dirty="0">
                 <a:latin typeface="Times New Roman" panose="02020603050405020304" pitchFamily="18" charset="0"/>
                 <a:ea typeface="Aptos" panose="020B0004020202020204" pitchFamily="34" charset="0"/>
                 <a:cs typeface="Times New Roman" panose="02020603050405020304" pitchFamily="18" charset="0"/>
@@ -3089,8 +3084,7 @@
               <a:t>First Author </a:t>
             </a:r>
             <a:r>
-              <a:rPr lang="en-US" b="1" kern="100" dirty="0">
-                <a:effectLst/>
+              <a:rPr lang="en-US" sz="4800" b="1" kern="100" dirty="0">
                 <a:latin typeface="Times New Roman" panose="02020603050405020304" pitchFamily="18" charset="0"/>
                 <a:ea typeface="Aptos" panose="020B0004020202020204" pitchFamily="34" charset="0"/>
                 <a:cs typeface="Times New Roman" panose="02020603050405020304" pitchFamily="18" charset="0"/>
@@ -3101,15 +3095,14 @@
           <a:p>
             <a:pPr algn="ctr"/>
             <a:r>
-              <a:rPr lang="en-US" b="1" kern="100" dirty="0">
-                <a:effectLst/>
+              <a:rPr lang="en-US" sz="4800" b="1" kern="100" dirty="0">
                 <a:latin typeface="Times New Roman" panose="02020603050405020304" pitchFamily="18" charset="0"/>
                 <a:ea typeface="Aptos" panose="020B0004020202020204" pitchFamily="34" charset="0"/>
                 <a:cs typeface="Times New Roman" panose="02020603050405020304" pitchFamily="18" charset="0"/>
               </a:rPr>
-              <a:t>(full name in Times New Roman size 18, Bold)</a:t>
-            </a:r>
-            <a:endParaRPr lang="en-US" sz="1800" b="0" i="0" u="none" strike="noStrike" baseline="0" dirty="0">
+              <a:t>(full name in Times New Roman size 48, Bold)</a:t>
+            </a:r>
+            <a:endParaRPr lang="en-US" sz="4800" dirty="0">
               <a:solidFill>
                 <a:srgbClr val="000000"/>
               </a:solidFill>
@@ -3119,7 +3112,7 @@
           <a:p>
             <a:pPr algn="ctr"/>
             <a:r>
-              <a:rPr lang="en-US" sz="1800" b="0" i="0" u="none" strike="noStrike" baseline="0" dirty="0">
+              <a:rPr lang="en-US" sz="4433" dirty="0">
                 <a:solidFill>
                   <a:srgbClr val="000000"/>
                 </a:solidFill>
@@ -3128,37 +3121,26 @@
               <a:t> </a:t>
             </a:r>
             <a:r>
-              <a:rPr lang="en-US" sz="1800" b="0" i="1" u="none" strike="noStrike" baseline="0" dirty="0">
+              <a:rPr lang="en-US" sz="4433" i="1" dirty="0">
                 <a:solidFill>
                   <a:srgbClr val="000000"/>
                 </a:solidFill>
                 <a:latin typeface="Times New Roman" panose="02020603050405020304" pitchFamily="18" charset="0"/>
               </a:rPr>
-              <a:t>Affiliation with address, Times New Roman size 18, italic</a:t>
+              <a:t>Affiliation with address, Times New Roman size 44, italic</a:t>
             </a:r>
           </a:p>
           <a:p>
             <a:pPr algn="ctr"/>
             <a:r>
-              <a:rPr lang="en-US" sz="1800" b="0" i="1" u="none" strike="noStrike" baseline="0" dirty="0">
-                <a:solidFill>
-                  <a:srgbClr val="000000"/>
-                </a:solidFill>
-                <a:latin typeface="Times New Roman" panose="02020603050405020304" pitchFamily="18" charset="0"/>
-              </a:rPr>
-              <a:t> </a:t>
-            </a:r>
-            <a:r>
-              <a:rPr lang="en-US" sz="1600" dirty="0">
-                <a:effectLst/>
+              <a:rPr lang="en-US" sz="4030" dirty="0">
                 <a:latin typeface="Times New Roman" panose="02020603050405020304" pitchFamily="18" charset="0"/>
                 <a:ea typeface="Aptos" panose="020B0004020202020204" pitchFamily="34" charset="0"/>
                 <a:cs typeface="Times New Roman" panose="02020603050405020304" pitchFamily="18" charset="0"/>
               </a:rPr>
-              <a:t>email ID of the corresponding author, Times New Roman size 16</a:t>
-            </a:r>
-            <a:endParaRPr lang="en-US" sz="1800" dirty="0">
-              <a:effectLst/>
+              <a:t>email ID of the corresponding author, Times New Roman size 40</a:t>
+            </a:r>
+            <a:endParaRPr lang="en-US" sz="11387" dirty="0">
               <a:latin typeface="Times New Roman" panose="02020603050405020304" pitchFamily="18" charset="0"/>
               <a:ea typeface="Aptos" panose="020B0004020202020204" pitchFamily="34" charset="0"/>
               <a:cs typeface="Times New Roman" panose="02020603050405020304" pitchFamily="18" charset="0"/>
@@ -3182,8 +3164,8 @@
         </p:nvSpPr>
         <p:spPr bwMode="auto">
           <a:xfrm>
-            <a:off x="11079375" y="473877"/>
-            <a:ext cx="1252075" cy="1172700"/>
+            <a:off x="26784512" y="1102880"/>
+            <a:ext cx="4109962" cy="3796961"/>
           </a:xfrm>
           <a:prstGeom prst="ellipse">
             <a:avLst/>
@@ -3201,7 +3183,7 @@
           </a:ln>
         </p:spPr>
         <p:txBody>
-          <a:bodyPr rot="0" vert="horz" wrap="square" lIns="91440" tIns="45720" rIns="91440" bIns="45720" anchor="ctr" anchorCtr="0">
+          <a:bodyPr rot="0" vert="horz" wrap="square" lIns="230300" tIns="115150" rIns="230300" bIns="115150" anchor="ctr" anchorCtr="0">
             <a:noAutofit/>
           </a:bodyPr>
           <a:lstStyle/>
@@ -3211,20 +3193,18 @@
                 <a:spcPct val="115000"/>
               </a:lnSpc>
               <a:spcAft>
-                <a:spcPts val="800"/>
+                <a:spcPts val="2015"/>
               </a:spcAft>
             </a:pPr>
             <a:r>
-              <a:rPr lang="en-AE" sz="1400" b="1" kern="100" dirty="0">
-                <a:effectLst/>
+              <a:rPr lang="en-AE" sz="3526" b="1" kern="100" dirty="0">
                 <a:latin typeface="Arial" panose="020B0604020202020204" pitchFamily="34" charset="0"/>
                 <a:ea typeface="Aptos" panose="020B0004020202020204" pitchFamily="34" charset="0"/>
                 <a:cs typeface="Times New Roman" panose="02020603050405020304" pitchFamily="18" charset="0"/>
               </a:rPr>
               <a:t>Institute Logo</a:t>
             </a:r>
-            <a:endParaRPr lang="en-US" sz="1400" kern="100" dirty="0">
-              <a:effectLst/>
+            <a:endParaRPr lang="en-US" sz="3526" kern="100" dirty="0">
               <a:latin typeface="Aptos" panose="020B0004020202020204" pitchFamily="34" charset="0"/>
               <a:ea typeface="Aptos" panose="020B0004020202020204" pitchFamily="34" charset="0"/>
               <a:cs typeface="Times New Roman" panose="02020603050405020304" pitchFamily="18" charset="0"/>
@@ -3246,10 +3226,10 @@
         </p:nvGrpSpPr>
         <p:grpSpPr>
           <a:xfrm>
-            <a:off x="0" y="8033067"/>
-            <a:ext cx="12891770" cy="1446550"/>
+            <a:off x="131176" y="20413096"/>
+            <a:ext cx="32469040" cy="3503732"/>
             <a:chOff x="18746" y="7303731"/>
-            <a:chExt cx="12891770" cy="1446550"/>
+            <a:chExt cx="12891770" cy="1391150"/>
           </a:xfrm>
         </p:grpSpPr>
         <p:sp>
@@ -3266,8 +3246,8 @@
           </p:nvSpPr>
           <p:spPr>
             <a:xfrm>
-              <a:off x="2976588" y="7303731"/>
-              <a:ext cx="7388561" cy="1446550"/>
+              <a:off x="3030385" y="7303731"/>
+              <a:ext cx="7280968" cy="1391150"/>
             </a:xfrm>
             <a:prstGeom prst="rect">
               <a:avLst/>
@@ -3287,7 +3267,7 @@
             <a:p>
               <a:pPr algn="ctr"/>
               <a:r>
-                <a:rPr lang="en-US" sz="4400" b="1" dirty="0">
+                <a:rPr lang="en-US" sz="11081" b="1" dirty="0">
                   <a:latin typeface="Times New Roman" panose="02020603050405020304" pitchFamily="18" charset="0"/>
                   <a:cs typeface="Times New Roman" panose="02020603050405020304" pitchFamily="18" charset="0"/>
                 </a:rPr>
@@ -3297,7 +3277,7 @@
             <a:p>
               <a:pPr algn="ctr"/>
               <a:r>
-                <a:rPr lang="en-US" sz="4400" b="1" dirty="0">
+                <a:rPr lang="en-US" sz="11081" b="1" dirty="0">
                   <a:latin typeface="Times New Roman" panose="02020603050405020304" pitchFamily="18" charset="0"/>
                   <a:cs typeface="Times New Roman" panose="02020603050405020304" pitchFamily="18" charset="0"/>
                 </a:rPr>
@@ -3409,8 +3389,8 @@
         </p:nvCxnSpPr>
         <p:spPr>
           <a:xfrm>
-            <a:off x="170410" y="0"/>
-            <a:ext cx="0" cy="17279938"/>
+            <a:off x="560366" y="181121"/>
+            <a:ext cx="0" cy="43521022"/>
           </a:xfrm>
           <a:prstGeom prst="straightConnector1">
             <a:avLst/>
@@ -3452,8 +3432,8 @@
         </p:nvCxnSpPr>
         <p:spPr>
           <a:xfrm>
-            <a:off x="12789940" y="0"/>
-            <a:ext cx="0" cy="17279938"/>
+            <a:off x="32343747" y="181121"/>
+            <a:ext cx="0" cy="43521022"/>
           </a:xfrm>
           <a:prstGeom prst="straightConnector1">
             <a:avLst/>
@@ -3507,8 +3487,8 @@
         </p:blipFill>
         <p:spPr>
           <a:xfrm>
-            <a:off x="380243" y="365983"/>
-            <a:ext cx="1402258" cy="1343052"/>
+            <a:off x="1486180" y="1117992"/>
+            <a:ext cx="3531708" cy="3382593"/>
           </a:xfrm>
           <a:prstGeom prst="rect">
             <a:avLst/>
@@ -3531,8 +3511,8 @@
         </p:nvCxnSpPr>
         <p:spPr>
           <a:xfrm>
-            <a:off x="-91440" y="16964978"/>
-            <a:ext cx="13051790" cy="0"/>
+            <a:off x="-99126" y="42908888"/>
+            <a:ext cx="32872064" cy="0"/>
           </a:xfrm>
           <a:prstGeom prst="straightConnector1">
             <a:avLst/>
@@ -3589,8 +3569,8 @@
         </p:blipFill>
         <p:spPr bwMode="auto">
           <a:xfrm>
-            <a:off x="1821923" y="486306"/>
-            <a:ext cx="1252074" cy="1222729"/>
+            <a:off x="5273386" y="1421036"/>
+            <a:ext cx="3153457" cy="3079549"/>
           </a:xfrm>
           <a:prstGeom prst="rect">
             <a:avLst/>
